--- a/Excel projects1github.pptx
+++ b/Excel projects1github.pptx
@@ -582,11 +582,11 @@
         </c:dLbls>
         <c:gapWidth val="150"/>
         <c:overlap val="100"/>
-        <c:axId val="144094720"/>
-        <c:axId val="144096640"/>
+        <c:axId val="154917120"/>
+        <c:axId val="155398144"/>
       </c:barChart>
       <c:catAx>
-        <c:axId val="144094720"/>
+        <c:axId val="154917120"/>
         <c:scaling>
           <c:orientation val="minMax"/>
         </c:scaling>
@@ -595,7 +595,7 @@
         <c:majorTickMark val="out"/>
         <c:minorTickMark val="none"/>
         <c:tickLblPos val="nextTo"/>
-        <c:crossAx val="144096640"/>
+        <c:crossAx val="155398144"/>
         <c:crosses val="autoZero"/>
         <c:auto val="1"/>
         <c:lblAlgn val="ctr"/>
@@ -603,7 +603,7 @@
         <c:noMultiLvlLbl val="0"/>
       </c:catAx>
       <c:valAx>
-        <c:axId val="144096640"/>
+        <c:axId val="155398144"/>
         <c:scaling>
           <c:orientation val="minMax"/>
         </c:scaling>
@@ -614,7 +614,7 @@
         <c:majorTickMark val="out"/>
         <c:minorTickMark val="none"/>
         <c:tickLblPos val="nextTo"/>
-        <c:crossAx val="144094720"/>
+        <c:crossAx val="154917120"/>
         <c:crosses val="autoZero"/>
         <c:crossBetween val="between"/>
       </c:valAx>
@@ -1369,11 +1369,11 @@
         </c:dLbls>
         <c:marker val="1"/>
         <c:smooth val="0"/>
-        <c:axId val="40033664"/>
-        <c:axId val="144700160"/>
+        <c:axId val="155455872"/>
+        <c:axId val="155457408"/>
       </c:lineChart>
       <c:catAx>
-        <c:axId val="40033664"/>
+        <c:axId val="155455872"/>
         <c:scaling>
           <c:orientation val="minMax"/>
         </c:scaling>
@@ -1387,7 +1387,7 @@
             <a:noFill/>
           </a:ln>
         </c:spPr>
-        <c:crossAx val="144700160"/>
+        <c:crossAx val="155457408"/>
         <c:crosses val="autoZero"/>
         <c:auto val="1"/>
         <c:lblAlgn val="ctr"/>
@@ -1395,7 +1395,7 @@
         <c:noMultiLvlLbl val="1"/>
       </c:catAx>
       <c:valAx>
-        <c:axId val="144700160"/>
+        <c:axId val="155457408"/>
         <c:scaling>
           <c:orientation val="minMax"/>
         </c:scaling>
@@ -1406,7 +1406,7 @@
         <c:majorTickMark val="out"/>
         <c:minorTickMark val="none"/>
         <c:tickLblPos val="nextTo"/>
-        <c:crossAx val="40033664"/>
+        <c:crossAx val="155455872"/>
         <c:crosses val="autoZero"/>
         <c:crossBetween val="between"/>
       </c:valAx>
@@ -1785,11 +1785,11 @@
         </c:dLbls>
         <c:marker val="1"/>
         <c:smooth val="0"/>
-        <c:axId val="144701312"/>
-        <c:axId val="163504896"/>
+        <c:axId val="155495040"/>
+        <c:axId val="155496832"/>
       </c:lineChart>
       <c:catAx>
-        <c:axId val="144701312"/>
+        <c:axId val="155495040"/>
         <c:scaling>
           <c:orientation val="minMax"/>
         </c:scaling>
@@ -1798,7 +1798,7 @@
         <c:majorTickMark val="out"/>
         <c:minorTickMark val="none"/>
         <c:tickLblPos val="nextTo"/>
-        <c:crossAx val="163504896"/>
+        <c:crossAx val="155496832"/>
         <c:crosses val="autoZero"/>
         <c:auto val="1"/>
         <c:lblAlgn val="ctr"/>
@@ -1806,7 +1806,7 @@
         <c:noMultiLvlLbl val="0"/>
       </c:catAx>
       <c:valAx>
-        <c:axId val="163504896"/>
+        <c:axId val="155496832"/>
         <c:scaling>
           <c:orientation val="minMax"/>
         </c:scaling>
@@ -1817,7 +1817,7 @@
         <c:majorTickMark val="out"/>
         <c:minorTickMark val="none"/>
         <c:tickLblPos val="nextTo"/>
-        <c:crossAx val="144701312"/>
+        <c:crossAx val="155495040"/>
         <c:crosses val="autoZero"/>
         <c:crossBetween val="between"/>
       </c:valAx>
@@ -6055,35 +6055,6 @@
       </p:graphicFrame>
       <p:sp>
         <p:nvSpPr>
-          <p:cNvPr id="5" name="Rectangle 4"/>
-          <p:cNvSpPr/>
-          <p:nvPr/>
-        </p:nvSpPr>
-        <p:spPr>
-          <a:xfrm>
-            <a:off x="395536" y="3645024"/>
-            <a:ext cx="8496944" cy="369332"/>
-          </a:xfrm>
-          <a:prstGeom prst="rect">
-            <a:avLst/>
-          </a:prstGeom>
-        </p:spPr>
-        <p:txBody>
-          <a:bodyPr wrap="square">
-            <a:spAutoFit/>
-          </a:bodyPr>
-          <a:lstStyle/>
-          <a:p>
-            <a:r>
-              <a:rPr lang="en-US" dirty="0" smtClean="0"/>
-              <a:t>Calculate the total expenses against each distinct item.</a:t>
-            </a:r>
-            <a:endParaRPr lang="en-IN" dirty="0"/>
-          </a:p>
-        </p:txBody>
-      </p:sp>
-      <p:sp>
-        <p:nvSpPr>
           <p:cNvPr id="6" name="Rectangle 5"/>
           <p:cNvSpPr/>
           <p:nvPr/>
@@ -6124,13 +6095,13 @@
           <p:nvPr>
             <p:extLst>
               <p:ext uri="{D42A27DB-BD31-4B8C-83A1-F6EECF244321}">
-                <p14:modId xmlns:p14="http://schemas.microsoft.com/office/powerpoint/2010/main" val="1789930164"/>
+                <p14:modId xmlns:p14="http://schemas.microsoft.com/office/powerpoint/2010/main" val="3274161422"/>
               </p:ext>
             </p:extLst>
           </p:nvPr>
         </p:nvGraphicFramePr>
         <p:xfrm>
-          <a:off x="1105644" y="3573016"/>
+          <a:off x="539552" y="3573016"/>
           <a:ext cx="6324600" cy="2938462"/>
         </p:xfrm>
         <a:graphic>
